--- a/FINAL PRESENTATION BLEED BLUE.pptx
+++ b/FINAL PRESENTATION BLEED BLUE.pptx
@@ -926,14 +926,14 @@
         <a:lstStyle/>
         <a:p>
           <a:r>
-            <a:rPr lang="en-IN" b="1" dirty="0" smtClean="0">
+            <a:rPr lang="en-US" b="1" dirty="0" smtClean="0">
               <a:solidFill>
                 <a:schemeClr val="tx1"/>
               </a:solidFill>
               <a:latin typeface="Times New Roman" panose="02020603050405020304" pitchFamily="18" charset="0"/>
               <a:cs typeface="Times New Roman" panose="02020603050405020304" pitchFamily="18" charset="0"/>
             </a:rPr>
-            <a:t>XX</a:t>
+            <a:t>Prashanth Kora</a:t>
           </a:r>
           <a:endParaRPr lang="en-US" b="1" dirty="0">
             <a:solidFill>
@@ -1031,7 +1031,7 @@
               <a:latin typeface="Times New Roman" panose="02020603050405020304" pitchFamily="18" charset="0"/>
               <a:cs typeface="Times New Roman" panose="02020603050405020304" pitchFamily="18" charset="0"/>
             </a:rPr>
-            <a:t>YYY</a:t>
+            <a:t>Sreeharsha Parankusham</a:t>
           </a:r>
           <a:endParaRPr lang="en-US" b="1" dirty="0">
             <a:solidFill>
@@ -1080,7 +1080,7 @@
               <a:latin typeface="Times New Roman" panose="02020603050405020304" pitchFamily="18" charset="0"/>
               <a:cs typeface="Times New Roman" panose="02020603050405020304" pitchFamily="18" charset="0"/>
             </a:rPr>
-            <a:t>ZZZ</a:t>
+            <a:t>Rakesh Gattu</a:t>
           </a:r>
           <a:endParaRPr lang="en-US" b="1" dirty="0">
             <a:solidFill>
@@ -1561,7 +1561,7 @@
               <a:latin typeface="Times New Roman" panose="02020603050405020304" pitchFamily="18" charset="0"/>
               <a:cs typeface="Times New Roman" panose="02020603050405020304" pitchFamily="18" charset="0"/>
             </a:rPr>
-            <a:t>XBC</a:t>
+            <a:t>Vishwas Gouru</a:t>
           </a:r>
           <a:endParaRPr lang="en-US" sz="2400" b="1" dirty="0">
             <a:solidFill>
@@ -2467,8 +2467,8 @@
       </dsp:nvSpPr>
       <dsp:spPr>
         <a:xfrm>
-          <a:off x="4054" y="650611"/>
-          <a:ext cx="2438187" cy="975275"/>
+          <a:off x="4054" y="675125"/>
+          <a:ext cx="2438187" cy="897424"/>
         </a:xfrm>
         <a:prstGeom prst="rect">
           <a:avLst/>
@@ -2509,12 +2509,12 @@
         </a:fontRef>
       </dsp:style>
       <dsp:txBody>
-        <a:bodyPr spcFirstLastPara="0" vert="horz" wrap="square" lIns="320040" tIns="182880" rIns="320040" bIns="182880" numCol="1" spcCol="1270" anchor="ctr" anchorCtr="0">
+        <a:bodyPr spcFirstLastPara="0" vert="horz" wrap="square" lIns="184912" tIns="105664" rIns="184912" bIns="105664" numCol="1" spcCol="1270" anchor="ctr" anchorCtr="0">
           <a:noAutofit/>
         </a:bodyPr>
         <a:lstStyle/>
         <a:p>
-          <a:pPr lvl="0" algn="ctr" defTabSz="2000250">
+          <a:pPr lvl="0" algn="ctr" defTabSz="1155700">
             <a:lnSpc>
               <a:spcPct val="90000"/>
             </a:lnSpc>
@@ -2526,16 +2526,16 @@
             </a:spcAft>
           </a:pPr>
           <a:r>
-            <a:rPr lang="en-IN" sz="4500" b="1" kern="1200" dirty="0" smtClean="0">
+            <a:rPr lang="en-US" sz="2600" b="1" kern="1200" dirty="0" smtClean="0">
               <a:solidFill>
                 <a:schemeClr val="tx1"/>
               </a:solidFill>
               <a:latin typeface="Times New Roman" panose="02020603050405020304" pitchFamily="18" charset="0"/>
               <a:cs typeface="Times New Roman" panose="02020603050405020304" pitchFamily="18" charset="0"/>
             </a:rPr>
-            <a:t>XX</a:t>
+            <a:t>Prashanth Kora</a:t>
           </a:r>
-          <a:endParaRPr lang="en-US" sz="4500" b="1" kern="1200" dirty="0">
+          <a:endParaRPr lang="en-US" sz="2600" b="1" kern="1200" dirty="0">
             <a:solidFill>
               <a:schemeClr val="tx1"/>
             </a:solidFill>
@@ -2545,8 +2545,8 @@
         </a:p>
       </dsp:txBody>
       <dsp:txXfrm>
-        <a:off x="4054" y="650611"/>
-        <a:ext cx="2438187" cy="975275"/>
+        <a:off x="4054" y="675125"/>
+        <a:ext cx="2438187" cy="897424"/>
       </dsp:txXfrm>
     </dsp:sp>
     <dsp:sp modelId="{4C5EC8F8-FB35-4F2E-BF3E-45BD28771C0C}">
@@ -2556,8 +2556,8 @@
       </dsp:nvSpPr>
       <dsp:spPr>
         <a:xfrm>
-          <a:off x="4054" y="1625886"/>
-          <a:ext cx="2438187" cy="3396937"/>
+          <a:off x="4054" y="1572550"/>
+          <a:ext cx="2438187" cy="3425760"/>
         </a:xfrm>
         <a:prstGeom prst="rect">
           <a:avLst/>
@@ -2768,8 +2768,8 @@
         </a:p>
       </dsp:txBody>
       <dsp:txXfrm>
-        <a:off x="4054" y="1625886"/>
-        <a:ext cx="2438187" cy="3396937"/>
+        <a:off x="4054" y="1572550"/>
+        <a:ext cx="2438187" cy="3425760"/>
       </dsp:txXfrm>
     </dsp:sp>
     <dsp:sp modelId="{D6CD815E-340B-4EE1-8B27-3A741930770D}">
@@ -2779,8 +2779,8 @@
       </dsp:nvSpPr>
       <dsp:spPr>
         <a:xfrm>
-          <a:off x="2783588" y="650611"/>
-          <a:ext cx="2438187" cy="975275"/>
+          <a:off x="2783588" y="675125"/>
+          <a:ext cx="2438187" cy="897424"/>
         </a:xfrm>
         <a:prstGeom prst="rect">
           <a:avLst/>
@@ -2821,12 +2821,12 @@
         </a:fontRef>
       </dsp:style>
       <dsp:txBody>
-        <a:bodyPr spcFirstLastPara="0" vert="horz" wrap="square" lIns="320040" tIns="182880" rIns="320040" bIns="182880" numCol="1" spcCol="1270" anchor="ctr" anchorCtr="0">
+        <a:bodyPr spcFirstLastPara="0" vert="horz" wrap="square" lIns="184912" tIns="105664" rIns="184912" bIns="105664" numCol="1" spcCol="1270" anchor="ctr" anchorCtr="0">
           <a:noAutofit/>
         </a:bodyPr>
         <a:lstStyle/>
         <a:p>
-          <a:pPr lvl="0" algn="ctr" defTabSz="2000250">
+          <a:pPr lvl="0" algn="ctr" defTabSz="1155700">
             <a:lnSpc>
               <a:spcPct val="90000"/>
             </a:lnSpc>
@@ -2838,16 +2838,16 @@
             </a:spcAft>
           </a:pPr>
           <a:r>
-            <a:rPr lang="en-US" sz="4500" b="1" kern="1200" dirty="0" smtClean="0">
+            <a:rPr lang="en-US" sz="2600" b="1" kern="1200" dirty="0" smtClean="0">
               <a:solidFill>
                 <a:schemeClr val="tx1"/>
               </a:solidFill>
               <a:latin typeface="Times New Roman" panose="02020603050405020304" pitchFamily="18" charset="0"/>
               <a:cs typeface="Times New Roman" panose="02020603050405020304" pitchFamily="18" charset="0"/>
             </a:rPr>
-            <a:t>YYY</a:t>
+            <a:t>Sreeharsha Parankusham</a:t>
           </a:r>
-          <a:endParaRPr lang="en-US" sz="4500" b="1" kern="1200" dirty="0">
+          <a:endParaRPr lang="en-US" sz="2600" b="1" kern="1200" dirty="0">
             <a:solidFill>
               <a:schemeClr val="tx1"/>
             </a:solidFill>
@@ -2857,8 +2857,8 @@
         </a:p>
       </dsp:txBody>
       <dsp:txXfrm>
-        <a:off x="2783588" y="650611"/>
-        <a:ext cx="2438187" cy="975275"/>
+        <a:off x="2783588" y="675125"/>
+        <a:ext cx="2438187" cy="897424"/>
       </dsp:txXfrm>
     </dsp:sp>
     <dsp:sp modelId="{144E2B9B-4E67-4C57-BA1F-99B74BC7C8D3}">
@@ -2868,8 +2868,8 @@
       </dsp:nvSpPr>
       <dsp:spPr>
         <a:xfrm>
-          <a:off x="2783588" y="1625886"/>
-          <a:ext cx="2438187" cy="3396937"/>
+          <a:off x="2783588" y="1572550"/>
+          <a:ext cx="2438187" cy="3425760"/>
         </a:xfrm>
         <a:prstGeom prst="rect">
           <a:avLst/>
@@ -3087,8 +3087,8 @@
         </a:p>
       </dsp:txBody>
       <dsp:txXfrm>
-        <a:off x="2783588" y="1625886"/>
-        <a:ext cx="2438187" cy="3396937"/>
+        <a:off x="2783588" y="1572550"/>
+        <a:ext cx="2438187" cy="3425760"/>
       </dsp:txXfrm>
     </dsp:sp>
     <dsp:sp modelId="{857BD629-8F9B-4C1B-A849-7A4BCA008439}">
@@ -3098,8 +3098,8 @@
       </dsp:nvSpPr>
       <dsp:spPr>
         <a:xfrm>
-          <a:off x="5563122" y="650611"/>
-          <a:ext cx="2438187" cy="975275"/>
+          <a:off x="5563122" y="675125"/>
+          <a:ext cx="2438187" cy="897424"/>
         </a:xfrm>
         <a:prstGeom prst="rect">
           <a:avLst/>
@@ -3140,12 +3140,12 @@
         </a:fontRef>
       </dsp:style>
       <dsp:txBody>
-        <a:bodyPr spcFirstLastPara="0" vert="horz" wrap="square" lIns="320040" tIns="182880" rIns="320040" bIns="182880" numCol="1" spcCol="1270" anchor="ctr" anchorCtr="0">
+        <a:bodyPr spcFirstLastPara="0" vert="horz" wrap="square" lIns="184912" tIns="105664" rIns="184912" bIns="105664" numCol="1" spcCol="1270" anchor="ctr" anchorCtr="0">
           <a:noAutofit/>
         </a:bodyPr>
         <a:lstStyle/>
         <a:p>
-          <a:pPr lvl="0" algn="ctr" defTabSz="2000250">
+          <a:pPr lvl="0" algn="ctr" defTabSz="1155700">
             <a:lnSpc>
               <a:spcPct val="90000"/>
             </a:lnSpc>
@@ -3157,16 +3157,16 @@
             </a:spcAft>
           </a:pPr>
           <a:r>
-            <a:rPr lang="en-US" sz="4500" b="1" kern="1200" dirty="0" smtClean="0">
+            <a:rPr lang="en-US" sz="2600" b="1" kern="1200" dirty="0" smtClean="0">
               <a:solidFill>
                 <a:schemeClr val="tx1"/>
               </a:solidFill>
               <a:latin typeface="Times New Roman" panose="02020603050405020304" pitchFamily="18" charset="0"/>
               <a:cs typeface="Times New Roman" panose="02020603050405020304" pitchFamily="18" charset="0"/>
             </a:rPr>
-            <a:t>ZZZ</a:t>
+            <a:t>Rakesh Gattu</a:t>
           </a:r>
-          <a:endParaRPr lang="en-US" sz="4500" b="1" kern="1200" dirty="0">
+          <a:endParaRPr lang="en-US" sz="2600" b="1" kern="1200" dirty="0">
             <a:solidFill>
               <a:schemeClr val="tx1"/>
             </a:solidFill>
@@ -3176,8 +3176,8 @@
         </a:p>
       </dsp:txBody>
       <dsp:txXfrm>
-        <a:off x="5563122" y="650611"/>
-        <a:ext cx="2438187" cy="975275"/>
+        <a:off x="5563122" y="675125"/>
+        <a:ext cx="2438187" cy="897424"/>
       </dsp:txXfrm>
     </dsp:sp>
     <dsp:sp modelId="{37DF07A9-7F03-4206-B7CC-B74D9F5CFE49}">
@@ -3187,8 +3187,8 @@
       </dsp:nvSpPr>
       <dsp:spPr>
         <a:xfrm>
-          <a:off x="5563122" y="1625886"/>
-          <a:ext cx="2438187" cy="3396937"/>
+          <a:off x="5563122" y="1572550"/>
+          <a:ext cx="2438187" cy="3425760"/>
         </a:xfrm>
         <a:prstGeom prst="rect">
           <a:avLst/>
@@ -3392,8 +3392,8 @@
         </a:p>
       </dsp:txBody>
       <dsp:txXfrm>
-        <a:off x="5563122" y="1625886"/>
-        <a:ext cx="2438187" cy="3396937"/>
+        <a:off x="5563122" y="1572550"/>
+        <a:ext cx="2438187" cy="3425760"/>
       </dsp:txXfrm>
     </dsp:sp>
     <dsp:sp modelId="{596A7375-5B46-4346-AAB2-DBAE2D8911C5}">
@@ -3403,8 +3403,8 @@
       </dsp:nvSpPr>
       <dsp:spPr>
         <a:xfrm>
-          <a:off x="8342656" y="650611"/>
-          <a:ext cx="2438187" cy="975275"/>
+          <a:off x="8342656" y="675125"/>
+          <a:ext cx="2438187" cy="897424"/>
         </a:xfrm>
         <a:prstGeom prst="rect">
           <a:avLst/>
@@ -3469,7 +3469,7 @@
               <a:latin typeface="Times New Roman" panose="02020603050405020304" pitchFamily="18" charset="0"/>
               <a:cs typeface="Times New Roman" panose="02020603050405020304" pitchFamily="18" charset="0"/>
             </a:rPr>
-            <a:t>XBC</a:t>
+            <a:t>Vishwas Gouru</a:t>
           </a:r>
           <a:endParaRPr lang="en-US" sz="2400" b="1" kern="1200" dirty="0">
             <a:solidFill>
@@ -3481,8 +3481,8 @@
         </a:p>
       </dsp:txBody>
       <dsp:txXfrm>
-        <a:off x="8342656" y="650611"/>
-        <a:ext cx="2438187" cy="975275"/>
+        <a:off x="8342656" y="675125"/>
+        <a:ext cx="2438187" cy="897424"/>
       </dsp:txXfrm>
     </dsp:sp>
     <dsp:sp modelId="{D9BB4B13-45A8-4C65-A8BC-055E771A308C}">
@@ -3492,8 +3492,8 @@
       </dsp:nvSpPr>
       <dsp:spPr>
         <a:xfrm>
-          <a:off x="8342656" y="1625886"/>
-          <a:ext cx="2438187" cy="3396937"/>
+          <a:off x="8342656" y="1572550"/>
+          <a:ext cx="2438187" cy="3425760"/>
         </a:xfrm>
         <a:prstGeom prst="rect">
           <a:avLst/>
@@ -3704,8 +3704,8 @@
         </a:p>
       </dsp:txBody>
       <dsp:txXfrm>
-        <a:off x="8342656" y="1625886"/>
-        <a:ext cx="2438187" cy="3396937"/>
+        <a:off x="8342656" y="1572550"/>
+        <a:ext cx="2438187" cy="3425760"/>
       </dsp:txXfrm>
     </dsp:sp>
   </dsp:spTree>
@@ -5045,7 +5045,7 @@
           <a:p>
             <a:fld id="{AE70E5E4-3BCB-4EE2-8F50-95DD610790D9}" type="datetimeFigureOut">
               <a:rPr lang="en-US" smtClean="0"/>
-              <a:t>4/11/2016</a:t>
+              <a:t>12/9/2015</a:t>
             </a:fld>
             <a:endParaRPr lang="en-US"/>
           </a:p>
@@ -5929,7 +5929,7 @@
           <a:p>
             <a:fld id="{C5F8AEFF-5476-4A4D-8396-160E3097FA89}" type="datetime1">
               <a:rPr lang="en-IN" smtClean="0"/>
-              <a:t>11-04-2016</a:t>
+              <a:t>09-12-2015</a:t>
             </a:fld>
             <a:endParaRPr lang="en-IN"/>
           </a:p>
@@ -6159,7 +6159,7 @@
           <a:p>
             <a:fld id="{50565986-7FAB-4441-93C8-8CCC5EF962DD}" type="datetime1">
               <a:rPr lang="en-IN" smtClean="0"/>
-              <a:t>11-04-2016</a:t>
+              <a:t>09-12-2015</a:t>
             </a:fld>
             <a:endParaRPr lang="en-IN"/>
           </a:p>
@@ -6348,7 +6348,7 @@
           <a:p>
             <a:fld id="{954428F8-D04A-4350-874B-4EEB9D899AE5}" type="datetime1">
               <a:rPr lang="en-IN" smtClean="0"/>
-              <a:t>11-04-2016</a:t>
+              <a:t>09-12-2015</a:t>
             </a:fld>
             <a:endParaRPr lang="en-IN"/>
           </a:p>
@@ -6527,7 +6527,7 @@
           <a:p>
             <a:fld id="{37D8164F-B675-4F8D-B8B5-D645CE58F53E}" type="datetime1">
               <a:rPr lang="en-IN" smtClean="0"/>
-              <a:t>11-04-2016</a:t>
+              <a:t>09-12-2015</a:t>
             </a:fld>
             <a:endParaRPr lang="en-IN"/>
           </a:p>
@@ -6787,7 +6787,7 @@
           <a:p>
             <a:fld id="{F2BCA8FF-0183-4744-AB18-1C4CD791CEEB}" type="datetime1">
               <a:rPr lang="en-IN" smtClean="0"/>
-              <a:t>11-04-2016</a:t>
+              <a:t>09-12-2015</a:t>
             </a:fld>
             <a:endParaRPr lang="en-IN"/>
           </a:p>
@@ -7119,7 +7119,7 @@
           <a:p>
             <a:fld id="{CB2AF108-23C5-4688-8303-D43A22E8FCF2}" type="datetime1">
               <a:rPr lang="en-IN" smtClean="0"/>
-              <a:t>11-04-2016</a:t>
+              <a:t>09-12-2015</a:t>
             </a:fld>
             <a:endParaRPr lang="en-IN"/>
           </a:p>
@@ -7552,7 +7552,7 @@
           <a:p>
             <a:fld id="{C5C70E84-D857-4D21-BA2D-AB567D7B9F4A}" type="datetime1">
               <a:rPr lang="en-IN" smtClean="0"/>
-              <a:t>11-04-2016</a:t>
+              <a:t>09-12-2015</a:t>
             </a:fld>
             <a:endParaRPr lang="en-IN"/>
           </a:p>
@@ -7679,7 +7679,7 @@
           <a:p>
             <a:fld id="{41BB22E6-F917-4CEC-95F4-51DEA9A75036}" type="datetime1">
               <a:rPr lang="en-IN" smtClean="0"/>
-              <a:t>11-04-2016</a:t>
+              <a:t>09-12-2015</a:t>
             </a:fld>
             <a:endParaRPr lang="en-IN"/>
           </a:p>
@@ -7783,7 +7783,7 @@
           <a:p>
             <a:fld id="{F8095C06-EFBE-499A-8A5B-FE6264A82B2F}" type="datetime1">
               <a:rPr lang="en-IN" smtClean="0"/>
-              <a:t>11-04-2016</a:t>
+              <a:t>09-12-2015</a:t>
             </a:fld>
             <a:endParaRPr lang="en-IN"/>
           </a:p>
@@ -8082,7 +8082,7 @@
           <a:p>
             <a:fld id="{75DF7835-DA95-436D-B127-2AEAB1AF866F}" type="datetime1">
               <a:rPr lang="en-IN" smtClean="0"/>
-              <a:t>11-04-2016</a:t>
+              <a:t>09-12-2015</a:t>
             </a:fld>
             <a:endParaRPr lang="en-IN"/>
           </a:p>
@@ -8363,7 +8363,7 @@
           <a:p>
             <a:fld id="{98213FB7-9811-44E9-90D1-23441B0DAAB4}" type="datetime1">
               <a:rPr lang="en-IN" smtClean="0"/>
-              <a:t>11-04-2016</a:t>
+              <a:t>09-12-2015</a:t>
             </a:fld>
             <a:endParaRPr lang="en-IN"/>
           </a:p>
@@ -8626,7 +8626,7 @@
           <a:p>
             <a:fld id="{33A90A70-FABA-47B6-9BC7-F5C437FA2CED}" type="datetime1">
               <a:rPr lang="en-IN" smtClean="0"/>
-              <a:t>11-04-2016</a:t>
+              <a:t>09-12-2015</a:t>
             </a:fld>
             <a:endParaRPr lang="en-IN"/>
           </a:p>
@@ -9596,6 +9596,194 @@
           </a:p>
         </p:txBody>
       </p:sp>
+      <p:graphicFrame>
+        <p:nvGraphicFramePr>
+          <p:cNvPr id="14" name="Table 13"/>
+          <p:cNvGraphicFramePr>
+            <a:graphicFrameLocks noGrp="1"/>
+          </p:cNvGraphicFramePr>
+          <p:nvPr>
+            <p:extLst>
+              <p:ext uri="{D42A27DB-BD31-4B8C-83A1-F6EECF244321}">
+                <p14:modId xmlns:p14="http://schemas.microsoft.com/office/powerpoint/2010/main" val="1030523795"/>
+              </p:ext>
+            </p:extLst>
+          </p:nvPr>
+        </p:nvGraphicFramePr>
+        <p:xfrm>
+          <a:off x="0" y="-160476"/>
+          <a:ext cx="12192000" cy="852054"/>
+        </p:xfrm>
+        <a:graphic>
+          <a:graphicData uri="http://schemas.openxmlformats.org/drawingml/2006/table">
+            <a:tbl>
+              <a:tblPr firstRow="1" bandRow="1">
+                <a:tableStyleId>{5C22544A-7EE6-4342-B048-85BDC9FD1C3A}</a:tableStyleId>
+              </a:tblPr>
+              <a:tblGrid>
+                <a:gridCol w="6096000"/>
+                <a:gridCol w="6096000"/>
+              </a:tblGrid>
+              <a:tr h="852054">
+                <a:tc>
+                  <a:txBody>
+                    <a:bodyPr/>
+                    <a:lstStyle/>
+                    <a:p>
+                      <a:pPr algn="ctr"/>
+                      <a:endParaRPr lang="en-IN" dirty="0" smtClean="0"/>
+                    </a:p>
+                    <a:p>
+                      <a:pPr algn="ctr"/>
+                      <a:r>
+                        <a:rPr lang="en-IN" dirty="0" smtClean="0"/>
+                        <a:t>INSTRUCTOR : DR. PRADEEP BUDDHARAJU</a:t>
+                      </a:r>
+                      <a:endParaRPr lang="en-US" dirty="0"/>
+                    </a:p>
+                  </a:txBody>
+                  <a:tcPr/>
+                </a:tc>
+                <a:tc>
+                  <a:txBody>
+                    <a:bodyPr/>
+                    <a:lstStyle/>
+                    <a:p>
+                      <a:pPr algn="ctr"/>
+                      <a:endParaRPr lang="en-IN" dirty="0" smtClean="0"/>
+                    </a:p>
+                    <a:p>
+                      <a:pPr algn="ctr"/>
+                      <a:r>
+                        <a:rPr lang="en-IN" dirty="0" smtClean="0"/>
+                        <a:t>MENTOR : MR. RAJ GUPTA</a:t>
+                      </a:r>
+                      <a:endParaRPr lang="en-US" dirty="0"/>
+                    </a:p>
+                  </a:txBody>
+                  <a:tcPr/>
+                </a:tc>
+              </a:tr>
+            </a:tbl>
+          </a:graphicData>
+        </a:graphic>
+      </p:graphicFrame>
+      <p:graphicFrame>
+        <p:nvGraphicFramePr>
+          <p:cNvPr id="15" name="Table 14"/>
+          <p:cNvGraphicFramePr>
+            <a:graphicFrameLocks noGrp="1"/>
+          </p:cNvGraphicFramePr>
+          <p:nvPr>
+            <p:extLst>
+              <p:ext uri="{D42A27DB-BD31-4B8C-83A1-F6EECF244321}">
+                <p14:modId xmlns:p14="http://schemas.microsoft.com/office/powerpoint/2010/main" val="769202753"/>
+              </p:ext>
+            </p:extLst>
+          </p:nvPr>
+        </p:nvGraphicFramePr>
+        <p:xfrm>
+          <a:off x="74467" y="5081154"/>
+          <a:ext cx="12043064" cy="810491"/>
+        </p:xfrm>
+        <a:graphic>
+          <a:graphicData uri="http://schemas.openxmlformats.org/drawingml/2006/table">
+            <a:tbl>
+              <a:tblPr firstRow="1" bandRow="1">
+                <a:tableStyleId>{5C22544A-7EE6-4342-B048-85BDC9FD1C3A}</a:tableStyleId>
+              </a:tblPr>
+              <a:tblGrid>
+                <a:gridCol w="3010766"/>
+                <a:gridCol w="3010766"/>
+                <a:gridCol w="3010766"/>
+                <a:gridCol w="3010766"/>
+              </a:tblGrid>
+              <a:tr h="810491">
+                <a:tc>
+                  <a:txBody>
+                    <a:bodyPr/>
+                    <a:lstStyle/>
+                    <a:p>
+                      <a:pPr algn="ctr"/>
+                      <a:endParaRPr lang="en-IN" dirty="0" smtClean="0"/>
+                    </a:p>
+                    <a:p>
+                      <a:pPr algn="ctr"/>
+                      <a:r>
+                        <a:rPr lang="en-IN" dirty="0" smtClean="0"/>
+                        <a:t>Prashant</a:t>
+                      </a:r>
+                      <a:r>
+                        <a:rPr lang="en-IN" baseline="0" dirty="0" smtClean="0"/>
+                        <a:t> Kora</a:t>
+                      </a:r>
+                      <a:endParaRPr lang="en-IN" dirty="0" smtClean="0"/>
+                    </a:p>
+                  </a:txBody>
+                  <a:tcPr/>
+                </a:tc>
+                <a:tc>
+                  <a:txBody>
+                    <a:bodyPr/>
+                    <a:lstStyle/>
+                    <a:p>
+                      <a:pPr algn="ctr"/>
+                      <a:endParaRPr lang="en-IN" dirty="0" smtClean="0"/>
+                    </a:p>
+                    <a:p>
+                      <a:pPr algn="ctr"/>
+                      <a:r>
+                        <a:rPr lang="en-IN" dirty="0" smtClean="0"/>
+                        <a:t>Rakesh Gattu</a:t>
+                      </a:r>
+                      <a:endParaRPr lang="en-US" dirty="0"/>
+                    </a:p>
+                  </a:txBody>
+                  <a:tcPr/>
+                </a:tc>
+                <a:tc>
+                  <a:txBody>
+                    <a:bodyPr/>
+                    <a:lstStyle/>
+                    <a:p>
+                      <a:pPr algn="ctr"/>
+                      <a:endParaRPr lang="en-IN" dirty="0" smtClean="0"/>
+                    </a:p>
+                    <a:p>
+                      <a:pPr algn="ctr"/>
+                      <a:r>
+                        <a:rPr lang="en-IN" dirty="0" smtClean="0"/>
+                        <a:t>Sreeharsha Parankusham</a:t>
+                      </a:r>
+                      <a:endParaRPr lang="en-US" dirty="0"/>
+                    </a:p>
+                  </a:txBody>
+                  <a:tcPr/>
+                </a:tc>
+                <a:tc>
+                  <a:txBody>
+                    <a:bodyPr/>
+                    <a:lstStyle/>
+                    <a:p>
+                      <a:pPr algn="ctr"/>
+                      <a:endParaRPr lang="en-IN" dirty="0" smtClean="0"/>
+                    </a:p>
+                    <a:p>
+                      <a:pPr algn="ctr"/>
+                      <a:r>
+                        <a:rPr lang="en-IN" dirty="0" smtClean="0"/>
+                        <a:t>Vishwas Gouru</a:t>
+                      </a:r>
+                      <a:endParaRPr lang="en-US" dirty="0"/>
+                    </a:p>
+                  </a:txBody>
+                  <a:tcPr/>
+                </a:tc>
+              </a:tr>
+            </a:tbl>
+          </a:graphicData>
+        </a:graphic>
+      </p:graphicFrame>
       <p:sp>
         <p:nvSpPr>
           <p:cNvPr id="3" name="Slide Number Placeholder 2"/>
@@ -14793,7 +14981,7 @@
           <p:nvPr>
             <p:extLst>
               <p:ext uri="{D42A27DB-BD31-4B8C-83A1-F6EECF244321}">
-                <p14:modId xmlns:p14="http://schemas.microsoft.com/office/powerpoint/2010/main" val="550526264"/>
+                <p14:modId xmlns:p14="http://schemas.microsoft.com/office/powerpoint/2010/main" val="4226694170"/>
               </p:ext>
             </p:extLst>
           </p:nvPr>
